--- a/slides/GED_Python_Workgroup_2020_02_20.pptx
+++ b/slides/GED_Python_Workgroup_2020_02_20.pptx
@@ -5,23 +5,24 @@
     <p:sldMasterId id="2147483648" r:id="rId9"/>
   </p:sldMasterIdLst>
   <p:notesMasterIdLst>
-    <p:notesMasterId r:id="rId24"/>
+    <p:notesMasterId r:id="rId25"/>
   </p:notesMasterIdLst>
   <p:sldIdLst>
     <p:sldId id="256" r:id="rId10"/>
     <p:sldId id="260" r:id="rId11"/>
     <p:sldId id="266" r:id="rId12"/>
     <p:sldId id="261" r:id="rId13"/>
-    <p:sldId id="259" r:id="rId14"/>
-    <p:sldId id="273" r:id="rId15"/>
-    <p:sldId id="257" r:id="rId16"/>
-    <p:sldId id="258" r:id="rId17"/>
-    <p:sldId id="271" r:id="rId18"/>
-    <p:sldId id="274" r:id="rId19"/>
-    <p:sldId id="262" r:id="rId20"/>
-    <p:sldId id="265" r:id="rId21"/>
-    <p:sldId id="263" r:id="rId22"/>
+    <p:sldId id="275" r:id="rId14"/>
+    <p:sldId id="259" r:id="rId15"/>
+    <p:sldId id="273" r:id="rId16"/>
+    <p:sldId id="257" r:id="rId17"/>
+    <p:sldId id="258" r:id="rId18"/>
+    <p:sldId id="271" r:id="rId19"/>
+    <p:sldId id="274" r:id="rId20"/>
+    <p:sldId id="262" r:id="rId21"/>
+    <p:sldId id="265" r:id="rId22"/>
     <p:sldId id="272" r:id="rId23"/>
+    <p:sldId id="263" r:id="rId24"/>
   </p:sldIdLst>
   <p:sldSz cx="12192000" cy="6858000"/>
   <p:notesSz cx="6858000" cy="9144000"/>
@@ -221,7 +222,7 @@
           <a:p>
             <a:fld id="{B390C360-C395-46B6-AEF2-D8FFECB870C7}" type="datetimeFigureOut">
               <a:rPr lang="en-US" smtClean="0"/>
-              <a:t>2/19/2020</a:t>
+              <a:t>2/20/2020</a:t>
             </a:fld>
             <a:endParaRPr lang="en-US"/>
           </a:p>
@@ -708,7 +709,7 @@
           <a:p>
             <a:fld id="{463BC641-200E-45A1-9EE9-455CB34D058F}" type="datetimeFigureOut">
               <a:rPr lang="en-US" smtClean="0"/>
-              <a:t>2/19/2020</a:t>
+              <a:t>2/20/2020</a:t>
             </a:fld>
             <a:endParaRPr lang="en-US"/>
           </a:p>
@@ -876,7 +877,7 @@
           <a:p>
             <a:fld id="{463BC641-200E-45A1-9EE9-455CB34D058F}" type="datetimeFigureOut">
               <a:rPr lang="en-US" smtClean="0"/>
-              <a:t>2/19/2020</a:t>
+              <a:t>2/20/2020</a:t>
             </a:fld>
             <a:endParaRPr lang="en-US"/>
           </a:p>
@@ -1054,7 +1055,7 @@
           <a:p>
             <a:fld id="{463BC641-200E-45A1-9EE9-455CB34D058F}" type="datetimeFigureOut">
               <a:rPr lang="en-US" smtClean="0"/>
-              <a:t>2/19/2020</a:t>
+              <a:t>2/20/2020</a:t>
             </a:fld>
             <a:endParaRPr lang="en-US"/>
           </a:p>
@@ -1222,7 +1223,7 @@
           <a:p>
             <a:fld id="{463BC641-200E-45A1-9EE9-455CB34D058F}" type="datetimeFigureOut">
               <a:rPr lang="en-US" smtClean="0"/>
-              <a:t>2/19/2020</a:t>
+              <a:t>2/20/2020</a:t>
             </a:fld>
             <a:endParaRPr lang="en-US"/>
           </a:p>
@@ -1467,7 +1468,7 @@
           <a:p>
             <a:fld id="{463BC641-200E-45A1-9EE9-455CB34D058F}" type="datetimeFigureOut">
               <a:rPr lang="en-US" smtClean="0"/>
-              <a:t>2/19/2020</a:t>
+              <a:t>2/20/2020</a:t>
             </a:fld>
             <a:endParaRPr lang="en-US"/>
           </a:p>
@@ -1696,7 +1697,7 @@
           <a:p>
             <a:fld id="{463BC641-200E-45A1-9EE9-455CB34D058F}" type="datetimeFigureOut">
               <a:rPr lang="en-US" smtClean="0"/>
-              <a:t>2/19/2020</a:t>
+              <a:t>2/20/2020</a:t>
             </a:fld>
             <a:endParaRPr lang="en-US"/>
           </a:p>
@@ -2060,7 +2061,7 @@
           <a:p>
             <a:fld id="{463BC641-200E-45A1-9EE9-455CB34D058F}" type="datetimeFigureOut">
               <a:rPr lang="en-US" smtClean="0"/>
-              <a:t>2/19/2020</a:t>
+              <a:t>2/20/2020</a:t>
             </a:fld>
             <a:endParaRPr lang="en-US"/>
           </a:p>
@@ -2177,7 +2178,7 @@
           <a:p>
             <a:fld id="{463BC641-200E-45A1-9EE9-455CB34D058F}" type="datetimeFigureOut">
               <a:rPr lang="en-US" smtClean="0"/>
-              <a:t>2/19/2020</a:t>
+              <a:t>2/20/2020</a:t>
             </a:fld>
             <a:endParaRPr lang="en-US"/>
           </a:p>
@@ -2272,7 +2273,7 @@
           <a:p>
             <a:fld id="{463BC641-200E-45A1-9EE9-455CB34D058F}" type="datetimeFigureOut">
               <a:rPr lang="en-US" smtClean="0"/>
-              <a:t>2/19/2020</a:t>
+              <a:t>2/20/2020</a:t>
             </a:fld>
             <a:endParaRPr lang="en-US"/>
           </a:p>
@@ -2547,7 +2548,7 @@
           <a:p>
             <a:fld id="{463BC641-200E-45A1-9EE9-455CB34D058F}" type="datetimeFigureOut">
               <a:rPr lang="en-US" smtClean="0"/>
-              <a:t>2/19/2020</a:t>
+              <a:t>2/20/2020</a:t>
             </a:fld>
             <a:endParaRPr lang="en-US"/>
           </a:p>
@@ -2799,7 +2800,7 @@
           <a:p>
             <a:fld id="{463BC641-200E-45A1-9EE9-455CB34D058F}" type="datetimeFigureOut">
               <a:rPr lang="en-US" smtClean="0"/>
-              <a:t>2/19/2020</a:t>
+              <a:t>2/20/2020</a:t>
             </a:fld>
             <a:endParaRPr lang="en-US"/>
           </a:p>
@@ -3010,7 +3011,7 @@
           <a:p>
             <a:fld id="{463BC641-200E-45A1-9EE9-455CB34D058F}" type="datetimeFigureOut">
               <a:rPr lang="en-US" smtClean="0"/>
-              <a:t>2/19/2020</a:t>
+              <a:t>2/20/2020</a:t>
             </a:fld>
             <a:endParaRPr lang="en-US"/>
           </a:p>
@@ -3497,13 +3498,7 @@
       </p:grpSpPr>
       <p:sp>
         <p:nvSpPr>
-          <p:cNvPr id="2" name="Title 1">
-            <a:extLst>
-              <a:ext uri="{FF2B5EF4-FFF2-40B4-BE49-F238E27FC236}">
-                <a16:creationId xmlns:a16="http://schemas.microsoft.com/office/drawing/2014/main" id="{C645C1E0-641E-40AA-8F90-C0B5484BE32D}"/>
-              </a:ext>
-            </a:extLst>
-          </p:cNvPr>
+          <p:cNvPr id="2" name="Title 1"/>
           <p:cNvSpPr>
             <a:spLocks noGrp="1"/>
           </p:cNvSpPr>
@@ -3518,20 +3513,14 @@
           <a:p>
             <a:r>
               <a:rPr lang="en-US" dirty="0"/>
-              <a:t>**EXERCISE**</a:t>
-            </a:r>
-          </a:p>
-        </p:txBody>
-      </p:sp>
-      <p:sp>
-        <p:nvSpPr>
-          <p:cNvPr id="4" name="Content Placeholder 2">
-            <a:extLst>
-              <a:ext uri="{FF2B5EF4-FFF2-40B4-BE49-F238E27FC236}">
-                <a16:creationId xmlns:a16="http://schemas.microsoft.com/office/drawing/2014/main" id="{80616D3E-1A80-4EAE-BADD-2D5A00118F4F}"/>
-              </a:ext>
-            </a:extLst>
-          </p:cNvPr>
+              <a:t>Structure of workgroup</a:t>
+            </a:r>
+          </a:p>
+        </p:txBody>
+      </p:sp>
+      <p:sp>
+        <p:nvSpPr>
+          <p:cNvPr id="3" name="Content Placeholder 2"/>
           <p:cNvSpPr>
             <a:spLocks noGrp="1"/>
           </p:cNvSpPr>
@@ -3539,38 +3528,60 @@
             <p:ph idx="1"/>
           </p:nvPr>
         </p:nvSpPr>
-        <p:spPr>
-          <a:xfrm>
-            <a:off x="838200" y="1825625"/>
-            <a:ext cx="10515600" cy="4351338"/>
-          </a:xfrm>
-        </p:spPr>
+        <p:spPr/>
         <p:txBody>
           <a:bodyPr/>
           <a:lstStyle/>
           <a:p>
-            <a:pPr>
-              <a:buFontTx/>
-              <a:buChar char="-"/>
+            <a:r>
+              <a:rPr lang="en-US" dirty="0"/>
+              <a:t>Independent study using </a:t>
+            </a:r>
+            <a:r>
+              <a:rPr lang="en-US" dirty="0" err="1"/>
+              <a:t>codeacademy</a:t>
+            </a:r>
+            <a:r>
+              <a:rPr lang="en-US" dirty="0"/>
+              <a:t> (free account, not the trial):</a:t>
+            </a:r>
+          </a:p>
+          <a:p>
+            <a:pPr marL="457200" lvl="1" indent="0">
+              <a:buNone/>
             </a:pPr>
             <a:r>
-              <a:rPr lang="en-US" dirty="0"/>
-              <a:t>Log in to </a:t>
+              <a:rPr lang="en-US" dirty="0">
+                <a:hlinkClick r:id="rId2"/>
+              </a:rPr>
+              <a:t>https://www.codecademy.com/es/learn/learn-python</a:t>
+            </a:r>
+            <a:endParaRPr lang="en-US" dirty="0"/>
+          </a:p>
+          <a:p>
+            <a:endParaRPr lang="en-US" dirty="0"/>
+          </a:p>
+          <a:p>
+            <a:r>
+              <a:rPr lang="en-US" dirty="0"/>
+              <a:t>Each week you’ll do 2-4 lessons on there (1-2 hours)</a:t>
+            </a:r>
+          </a:p>
+          <a:p>
+            <a:endParaRPr lang="en-US" dirty="0"/>
+          </a:p>
+          <a:p>
+            <a:r>
+              <a:rPr lang="en-US" dirty="0"/>
+              <a:t>Followed by meeting as a group to take what you learned and apply it in the </a:t>
             </a:r>
             <a:r>
               <a:rPr lang="en-US" dirty="0" err="1"/>
-              <a:t>Codecademy</a:t>
-            </a:r>
-            <a:endParaRPr lang="en-US" dirty="0"/>
-          </a:p>
-          <a:p>
-            <a:pPr>
-              <a:buFontTx/>
-              <a:buChar char="-"/>
-            </a:pPr>
-            <a:r>
-              <a:rPr lang="en-US" dirty="0"/>
-              <a:t>Python 2 vs 3</a:t>
+              <a:t>arcpy</a:t>
+            </a:r>
+            <a:r>
+              <a:rPr lang="en-US" dirty="0"/>
+              <a:t> environment or automating other tasks</a:t>
             </a:r>
           </a:p>
         </p:txBody>
@@ -3578,7 +3589,7 @@
     </p:spTree>
     <p:extLst>
       <p:ext uri="{BB962C8B-B14F-4D97-AF65-F5344CB8AC3E}">
-        <p14:creationId xmlns:p14="http://schemas.microsoft.com/office/powerpoint/2010/main" val="4244394867"/>
+        <p14:creationId xmlns:p14="http://schemas.microsoft.com/office/powerpoint/2010/main" val="2371155831"/>
       </p:ext>
     </p:extLst>
   </p:cSld>
@@ -3607,6 +3618,116 @@
       </p:grpSpPr>
       <p:sp>
         <p:nvSpPr>
+          <p:cNvPr id="2" name="Title 1">
+            <a:extLst>
+              <a:ext uri="{FF2B5EF4-FFF2-40B4-BE49-F238E27FC236}">
+                <a16:creationId xmlns:a16="http://schemas.microsoft.com/office/drawing/2014/main" id="{C645C1E0-641E-40AA-8F90-C0B5484BE32D}"/>
+              </a:ext>
+            </a:extLst>
+          </p:cNvPr>
+          <p:cNvSpPr>
+            <a:spLocks noGrp="1"/>
+          </p:cNvSpPr>
+          <p:nvPr>
+            <p:ph type="title"/>
+          </p:nvPr>
+        </p:nvSpPr>
+        <p:spPr/>
+        <p:txBody>
+          <a:bodyPr/>
+          <a:lstStyle/>
+          <a:p>
+            <a:r>
+              <a:rPr lang="en-US" dirty="0"/>
+              <a:t>**EXERCISE**</a:t>
+            </a:r>
+          </a:p>
+        </p:txBody>
+      </p:sp>
+      <p:sp>
+        <p:nvSpPr>
+          <p:cNvPr id="4" name="Content Placeholder 2">
+            <a:extLst>
+              <a:ext uri="{FF2B5EF4-FFF2-40B4-BE49-F238E27FC236}">
+                <a16:creationId xmlns:a16="http://schemas.microsoft.com/office/drawing/2014/main" id="{80616D3E-1A80-4EAE-BADD-2D5A00118F4F}"/>
+              </a:ext>
+            </a:extLst>
+          </p:cNvPr>
+          <p:cNvSpPr>
+            <a:spLocks noGrp="1"/>
+          </p:cNvSpPr>
+          <p:nvPr>
+            <p:ph idx="1"/>
+          </p:nvPr>
+        </p:nvSpPr>
+        <p:spPr>
+          <a:xfrm>
+            <a:off x="838200" y="1825625"/>
+            <a:ext cx="10515600" cy="4351338"/>
+          </a:xfrm>
+        </p:spPr>
+        <p:txBody>
+          <a:bodyPr/>
+          <a:lstStyle/>
+          <a:p>
+            <a:pPr>
+              <a:buFontTx/>
+              <a:buChar char="-"/>
+            </a:pPr>
+            <a:r>
+              <a:rPr lang="en-US" dirty="0"/>
+              <a:t>Log in to </a:t>
+            </a:r>
+            <a:r>
+              <a:rPr lang="en-US" dirty="0" err="1"/>
+              <a:t>Codecademy</a:t>
+            </a:r>
+            <a:endParaRPr lang="en-US" dirty="0"/>
+          </a:p>
+          <a:p>
+            <a:pPr>
+              <a:buFontTx/>
+              <a:buChar char="-"/>
+            </a:pPr>
+            <a:r>
+              <a:rPr lang="en-US" dirty="0"/>
+              <a:t>Python 2 vs 3</a:t>
+            </a:r>
+          </a:p>
+        </p:txBody>
+      </p:sp>
+    </p:spTree>
+    <p:extLst>
+      <p:ext uri="{BB962C8B-B14F-4D97-AF65-F5344CB8AC3E}">
+        <p14:creationId xmlns:p14="http://schemas.microsoft.com/office/powerpoint/2010/main" val="4244394867"/>
+      </p:ext>
+    </p:extLst>
+  </p:cSld>
+  <p:clrMapOvr>
+    <a:masterClrMapping/>
+  </p:clrMapOvr>
+</p:sld>
+</file>
+
+<file path=ppt/slides/slide12.xml><?xml version="1.0" encoding="utf-8"?>
+<p:sld xmlns:a="http://schemas.openxmlformats.org/drawingml/2006/main" xmlns:r="http://schemas.openxmlformats.org/officeDocument/2006/relationships" xmlns:p="http://schemas.openxmlformats.org/presentationml/2006/main">
+  <p:cSld>
+    <p:spTree>
+      <p:nvGrpSpPr>
+        <p:cNvPr id="1" name=""/>
+        <p:cNvGrpSpPr/>
+        <p:nvPr/>
+      </p:nvGrpSpPr>
+      <p:grpSpPr>
+        <a:xfrm>
+          <a:off x="0" y="0"/>
+          <a:ext cx="0" cy="0"/>
+          <a:chOff x="0" y="0"/>
+          <a:chExt cx="0" cy="0"/>
+        </a:xfrm>
+      </p:grpSpPr>
+      <p:sp>
+        <p:nvSpPr>
           <p:cNvPr id="2" name="Title 1"/>
           <p:cNvSpPr>
             <a:spLocks noGrp="1"/>
@@ -3758,7 +3879,7 @@
 </p:sld>
 </file>
 
-<file path=ppt/slides/slide12.xml><?xml version="1.0" encoding="utf-8"?>
+<file path=ppt/slides/slide13.xml><?xml version="1.0" encoding="utf-8"?>
 <p:sld xmlns:a="http://schemas.openxmlformats.org/drawingml/2006/main" xmlns:r="http://schemas.openxmlformats.org/officeDocument/2006/relationships" xmlns:p="http://schemas.openxmlformats.org/presentationml/2006/main">
   <p:cSld>
     <p:spTree>
@@ -4171,95 +4292,6 @@
 </p:sld>
 </file>
 
-<file path=ppt/slides/slide13.xml><?xml version="1.0" encoding="utf-8"?>
-<p:sld xmlns:a="http://schemas.openxmlformats.org/drawingml/2006/main" xmlns:r="http://schemas.openxmlformats.org/officeDocument/2006/relationships" xmlns:p="http://schemas.openxmlformats.org/presentationml/2006/main">
-  <p:cSld>
-    <p:spTree>
-      <p:nvGrpSpPr>
-        <p:cNvPr id="1" name=""/>
-        <p:cNvGrpSpPr/>
-        <p:nvPr/>
-      </p:nvGrpSpPr>
-      <p:grpSpPr>
-        <a:xfrm>
-          <a:off x="0" y="0"/>
-          <a:ext cx="0" cy="0"/>
-          <a:chOff x="0" y="0"/>
-          <a:chExt cx="0" cy="0"/>
-        </a:xfrm>
-      </p:grpSpPr>
-      <p:sp>
-        <p:nvSpPr>
-          <p:cNvPr id="2" name="Title 1"/>
-          <p:cNvSpPr>
-            <a:spLocks noGrp="1"/>
-          </p:cNvSpPr>
-          <p:nvPr>
-            <p:ph type="title"/>
-          </p:nvPr>
-        </p:nvSpPr>
-        <p:spPr/>
-        <p:txBody>
-          <a:bodyPr/>
-          <a:lstStyle/>
-          <a:p>
-            <a:r>
-              <a:rPr lang="en-US" dirty="0"/>
-              <a:t>**ArcGIS EXERCISE**</a:t>
-            </a:r>
-          </a:p>
-        </p:txBody>
-      </p:sp>
-      <p:sp>
-        <p:nvSpPr>
-          <p:cNvPr id="3" name="Content Placeholder 2"/>
-          <p:cNvSpPr>
-            <a:spLocks noGrp="1"/>
-          </p:cNvSpPr>
-          <p:nvPr>
-            <p:ph idx="1"/>
-          </p:nvPr>
-        </p:nvSpPr>
-        <p:spPr/>
-        <p:txBody>
-          <a:bodyPr/>
-          <a:lstStyle/>
-          <a:p>
-            <a:r>
-              <a:rPr lang="en-US" dirty="0"/>
-              <a:t>Take process from results and write it in a script</a:t>
-            </a:r>
-          </a:p>
-          <a:p>
-            <a:r>
-              <a:rPr lang="en-US" dirty="0"/>
-              <a:t>Example using Copy Features</a:t>
-            </a:r>
-          </a:p>
-          <a:p>
-            <a:r>
-              <a:rPr lang="en-US" dirty="0"/>
-              <a:t>How to lookup documentation</a:t>
-            </a:r>
-          </a:p>
-          <a:p>
-            <a:endParaRPr lang="en-US" dirty="0"/>
-          </a:p>
-        </p:txBody>
-      </p:sp>
-    </p:spTree>
-    <p:extLst>
-      <p:ext uri="{BB962C8B-B14F-4D97-AF65-F5344CB8AC3E}">
-        <p14:creationId xmlns:p14="http://schemas.microsoft.com/office/powerpoint/2010/main" val="2812225432"/>
-      </p:ext>
-    </p:extLst>
-  </p:cSld>
-  <p:clrMapOvr>
-    <a:masterClrMapping/>
-  </p:clrMapOvr>
-</p:sld>
-</file>
-
 <file path=ppt/slides/slide14.xml><?xml version="1.0" encoding="utf-8"?>
 <p:sld xmlns:a="http://schemas.openxmlformats.org/drawingml/2006/main" xmlns:r="http://schemas.openxmlformats.org/officeDocument/2006/relationships" xmlns:p="http://schemas.openxmlformats.org/presentationml/2006/main">
   <p:cSld>
@@ -4379,6 +4411,95 @@
 </p:sld>
 </file>
 
+<file path=ppt/slides/slide15.xml><?xml version="1.0" encoding="utf-8"?>
+<p:sld xmlns:a="http://schemas.openxmlformats.org/drawingml/2006/main" xmlns:r="http://schemas.openxmlformats.org/officeDocument/2006/relationships" xmlns:p="http://schemas.openxmlformats.org/presentationml/2006/main">
+  <p:cSld>
+    <p:spTree>
+      <p:nvGrpSpPr>
+        <p:cNvPr id="1" name=""/>
+        <p:cNvGrpSpPr/>
+        <p:nvPr/>
+      </p:nvGrpSpPr>
+      <p:grpSpPr>
+        <a:xfrm>
+          <a:off x="0" y="0"/>
+          <a:ext cx="0" cy="0"/>
+          <a:chOff x="0" y="0"/>
+          <a:chExt cx="0" cy="0"/>
+        </a:xfrm>
+      </p:grpSpPr>
+      <p:sp>
+        <p:nvSpPr>
+          <p:cNvPr id="2" name="Title 1"/>
+          <p:cNvSpPr>
+            <a:spLocks noGrp="1"/>
+          </p:cNvSpPr>
+          <p:nvPr>
+            <p:ph type="title"/>
+          </p:nvPr>
+        </p:nvSpPr>
+        <p:spPr/>
+        <p:txBody>
+          <a:bodyPr/>
+          <a:lstStyle/>
+          <a:p>
+            <a:r>
+              <a:rPr lang="en-US" dirty="0"/>
+              <a:t>**ArcGIS EXERCISE**</a:t>
+            </a:r>
+          </a:p>
+        </p:txBody>
+      </p:sp>
+      <p:sp>
+        <p:nvSpPr>
+          <p:cNvPr id="3" name="Content Placeholder 2"/>
+          <p:cNvSpPr>
+            <a:spLocks noGrp="1"/>
+          </p:cNvSpPr>
+          <p:nvPr>
+            <p:ph idx="1"/>
+          </p:nvPr>
+        </p:nvSpPr>
+        <p:spPr/>
+        <p:txBody>
+          <a:bodyPr/>
+          <a:lstStyle/>
+          <a:p>
+            <a:r>
+              <a:rPr lang="en-US" dirty="0"/>
+              <a:t>Take process from results and write it in a script</a:t>
+            </a:r>
+          </a:p>
+          <a:p>
+            <a:r>
+              <a:rPr lang="en-US" dirty="0"/>
+              <a:t>Example using Copy Features</a:t>
+            </a:r>
+          </a:p>
+          <a:p>
+            <a:r>
+              <a:rPr lang="en-US" dirty="0"/>
+              <a:t>How to lookup documentation</a:t>
+            </a:r>
+          </a:p>
+          <a:p>
+            <a:endParaRPr lang="en-US" dirty="0"/>
+          </a:p>
+        </p:txBody>
+      </p:sp>
+    </p:spTree>
+    <p:extLst>
+      <p:ext uri="{BB962C8B-B14F-4D97-AF65-F5344CB8AC3E}">
+        <p14:creationId xmlns:p14="http://schemas.microsoft.com/office/powerpoint/2010/main" val="2812225432"/>
+      </p:ext>
+    </p:extLst>
+  </p:cSld>
+  <p:clrMapOvr>
+    <a:masterClrMapping/>
+  </p:clrMapOvr>
+</p:sld>
+</file>
+
 <file path=ppt/slides/slide2.xml><?xml version="1.0" encoding="utf-8"?>
 <p:sld xmlns:a="http://schemas.openxmlformats.org/drawingml/2006/main" xmlns:r="http://schemas.openxmlformats.org/officeDocument/2006/relationships" xmlns:p="http://schemas.openxmlformats.org/presentationml/2006/main">
   <p:cSld>
@@ -4436,7 +4557,12 @@
             <p:ph idx="1"/>
           </p:nvPr>
         </p:nvSpPr>
-        <p:spPr/>
+        <p:spPr>
+          <a:xfrm>
+            <a:off x="838200" y="1595336"/>
+            <a:ext cx="10515600" cy="4708187"/>
+          </a:xfrm>
+        </p:spPr>
         <p:txBody>
           <a:bodyPr>
             <a:normAutofit/>
@@ -4473,7 +4599,15 @@
           <a:p>
             <a:r>
               <a:rPr lang="en-US" dirty="0"/>
-              <a:t>Libraries/packages by domain experts(e.g. </a:t>
+              <a:t>Libraries/packages by domain experts (e.g. pandas, </a:t>
+            </a:r>
+            <a:r>
+              <a:rPr lang="en-US" dirty="0" err="1"/>
+              <a:t>geopandas</a:t>
+            </a:r>
+            <a:r>
+              <a:rPr lang="en-US" dirty="0"/>
+              <a:t>, </a:t>
             </a:r>
             <a:r>
               <a:rPr lang="en-US" dirty="0" err="1"/>
@@ -4531,6 +4665,35 @@
               <a:t>https://blog.rstudio.com/2019/12/17/r-vs-python-what-s-the-best-for-language-for-data-science/</a:t>
             </a:r>
             <a:endParaRPr lang="en-US" sz="1800" dirty="0"/>
+          </a:p>
+          <a:p>
+            <a:pPr marL="0" indent="0">
+              <a:buNone/>
+            </a:pPr>
+            <a:r>
+              <a:rPr lang="en-US" sz="1800" dirty="0"/>
+              <a:t>EPA R user group/python Community of Practice (COP) </a:t>
+            </a:r>
+            <a:r>
+              <a:rPr lang="en-US" sz="1800" dirty="0">
+                <a:hlinkClick r:id="rId4"/>
+              </a:rPr>
+              <a:t>7/2019</a:t>
+            </a:r>
+            <a:r>
+              <a:rPr lang="en-US" sz="1800" dirty="0"/>
+              <a:t> on rp2 and reticulate (</a:t>
+            </a:r>
+            <a:r>
+              <a:rPr lang="en-US" sz="1800" dirty="0" err="1">
+                <a:hlinkClick r:id="rId5"/>
+              </a:rPr>
+              <a:t>jupyter</a:t>
+            </a:r>
+            <a:r>
+              <a:rPr lang="en-US" sz="1800" dirty="0"/>
+              <a:t>)</a:t>
+            </a:r>
           </a:p>
         </p:txBody>
       </p:sp>
@@ -5097,6 +5260,14 @@
 <file path=ppt/slides/slide4.xml><?xml version="1.0" encoding="utf-8"?>
 <p:sld xmlns:a="http://schemas.openxmlformats.org/drawingml/2006/main" xmlns:r="http://schemas.openxmlformats.org/officeDocument/2006/relationships" xmlns:p="http://schemas.openxmlformats.org/presentationml/2006/main">
   <p:cSld>
+    <p:bg>
+      <p:bgPr>
+        <a:solidFill>
+          <a:schemeClr val="bg1"/>
+        </a:solidFill>
+        <a:effectLst/>
+      </p:bgPr>
+    </p:bg>
     <p:spTree>
       <p:nvGrpSpPr>
         <p:cNvPr id="1" name=""/>
@@ -5121,102 +5292,391 @@
             <p:ph type="title"/>
           </p:nvPr>
         </p:nvSpPr>
-        <p:spPr/>
-        <p:txBody>
-          <a:bodyPr/>
-          <a:lstStyle/>
-          <a:p>
-            <a:r>
-              <a:rPr lang="en-US" dirty="0"/>
-              <a:t>Python Installation</a:t>
-            </a:r>
-          </a:p>
-        </p:txBody>
-      </p:sp>
-      <p:sp>
-        <p:nvSpPr>
-          <p:cNvPr id="3" name="Content Placeholder 2"/>
-          <p:cNvSpPr>
-            <a:spLocks noGrp="1"/>
-          </p:cNvSpPr>
-          <p:nvPr>
-            <p:ph idx="1"/>
-          </p:nvPr>
-        </p:nvSpPr>
         <p:spPr>
           <a:xfrm>
-            <a:off x="838200" y="1600200"/>
-            <a:ext cx="10515600" cy="4576763"/>
+            <a:off x="410360" y="245984"/>
+            <a:ext cx="8344069" cy="1045693"/>
           </a:xfrm>
         </p:spPr>
         <p:txBody>
           <a:bodyPr>
-            <a:normAutofit lnSpcReduction="10000"/>
+            <a:normAutofit/>
           </a:bodyPr>
           <a:lstStyle/>
           <a:p>
             <a:r>
               <a:rPr lang="en-US" dirty="0"/>
-              <a:t>Anaconda distribution (comes with many scientific packages)</a:t>
-            </a:r>
-          </a:p>
-          <a:p>
-            <a:r>
-              <a:rPr lang="en-US" dirty="0"/>
+              <a:t>Python Installations &amp; environments</a:t>
+            </a:r>
+          </a:p>
+        </p:txBody>
+      </p:sp>
+      <p:sp>
+        <p:nvSpPr>
+          <p:cNvPr id="3" name="Content Placeholder 2"/>
+          <p:cNvSpPr>
+            <a:spLocks noGrp="1"/>
+          </p:cNvSpPr>
+          <p:nvPr>
+            <p:ph idx="1"/>
+          </p:nvPr>
+        </p:nvSpPr>
+        <p:spPr>
+          <a:xfrm>
+            <a:off x="648930" y="2438400"/>
+            <a:ext cx="5127029" cy="3785419"/>
+          </a:xfrm>
+        </p:spPr>
+        <p:txBody>
+          <a:bodyPr>
+            <a:normAutofit/>
+          </a:bodyPr>
+          <a:lstStyle/>
+          <a:p>
+            <a:pPr marL="457200" lvl="1" indent="0">
+              <a:buNone/>
+            </a:pPr>
+            <a:endParaRPr lang="en-US" sz="1100" dirty="0"/>
+          </a:p>
+          <a:p>
+            <a:pPr marL="0" indent="0">
+              <a:buNone/>
+            </a:pPr>
+            <a:endParaRPr lang="en-US" sz="1100" dirty="0"/>
+          </a:p>
+        </p:txBody>
+      </p:sp>
+      <p:pic>
+        <p:nvPicPr>
+          <p:cNvPr id="5" name="Picture 2" descr="Python Environment">
+            <a:extLst>
+              <a:ext uri="{FF2B5EF4-FFF2-40B4-BE49-F238E27FC236}">
+                <a16:creationId xmlns:a16="http://schemas.microsoft.com/office/drawing/2014/main" id="{F4E4B8FD-0124-4F0A-BC00-7A9A6590716D}"/>
+              </a:ext>
+            </a:extLst>
+          </p:cNvPr>
+          <p:cNvPicPr>
+            <a:picLocks noChangeAspect="1" noChangeArrowheads="1"/>
+          </p:cNvPicPr>
+          <p:nvPr/>
+        </p:nvPicPr>
+        <p:blipFill rotWithShape="1">
+          <a:blip r:embed="rId2">
+            <a:extLst>
+              <a:ext uri="{28A0092B-C50C-407E-A947-70E740481C1C}">
+                <a14:useLocalDpi xmlns:a14="http://schemas.microsoft.com/office/drawing/2010/main" val="0"/>
+              </a:ext>
+            </a:extLst>
+          </a:blip>
+          <a:srcRect r="3073" b="-4"/>
+          <a:stretch/>
+        </p:blipFill>
+        <p:spPr bwMode="auto">
+          <a:xfrm>
+            <a:off x="6157724" y="1034179"/>
+            <a:ext cx="5461724" cy="5577837"/>
+          </a:xfrm>
+          <a:prstGeom prst="rect">
+            <a:avLst/>
+          </a:prstGeom>
+          <a:noFill/>
+          <a:effectLst/>
+          <a:extLst>
+            <a:ext uri="{909E8E84-426E-40DD-AFC4-6F175D3DCCD1}">
+              <a14:hiddenFill xmlns:a14="http://schemas.microsoft.com/office/drawing/2010/main">
+                <a:solidFill>
+                  <a:srgbClr val="FFFFFF"/>
+                </a:solidFill>
+              </a14:hiddenFill>
+            </a:ext>
+          </a:extLst>
+        </p:spPr>
+      </p:pic>
+      <p:sp>
+        <p:nvSpPr>
+          <p:cNvPr id="8" name="Content Placeholder 5">
+            <a:extLst>
+              <a:ext uri="{FF2B5EF4-FFF2-40B4-BE49-F238E27FC236}">
+                <a16:creationId xmlns:a16="http://schemas.microsoft.com/office/drawing/2014/main" id="{343A42E2-DC12-4427-BA81-25039028D5A1}"/>
+              </a:ext>
+            </a:extLst>
+          </p:cNvPr>
+          <p:cNvSpPr txBox="1">
+            <a:spLocks/>
+          </p:cNvSpPr>
+          <p:nvPr/>
+        </p:nvSpPr>
+        <p:spPr>
+          <a:xfrm>
+            <a:off x="318781" y="1149292"/>
+            <a:ext cx="5838943" cy="5357486"/>
+          </a:xfrm>
+          <a:prstGeom prst="rect">
+            <a:avLst/>
+          </a:prstGeom>
+        </p:spPr>
+        <p:txBody>
+          <a:bodyPr vert="horz" lIns="91440" tIns="45720" rIns="91440" bIns="45720" rtlCol="0">
+            <a:normAutofit/>
+          </a:bodyPr>
+          <a:lstStyle>
+            <a:lvl1pPr marL="228600" indent="-228600" algn="l" defTabSz="914400" rtl="0" eaLnBrk="1" latinLnBrk="0" hangingPunct="1">
+              <a:lnSpc>
+                <a:spcPct val="90000"/>
+              </a:lnSpc>
+              <a:spcBef>
+                <a:spcPts val="1000"/>
+              </a:spcBef>
+              <a:buFont typeface="Arial" panose="020B0604020202020204" pitchFamily="34" charset="0"/>
+              <a:buChar char="•"/>
+              <a:defRPr sz="2800" kern="1200">
+                <a:solidFill>
+                  <a:schemeClr val="tx1"/>
+                </a:solidFill>
+                <a:latin typeface="+mn-lt"/>
+                <a:ea typeface="+mn-ea"/>
+                <a:cs typeface="+mn-cs"/>
+              </a:defRPr>
+            </a:lvl1pPr>
+            <a:lvl2pPr marL="685800" indent="-228600" algn="l" defTabSz="914400" rtl="0" eaLnBrk="1" latinLnBrk="0" hangingPunct="1">
+              <a:lnSpc>
+                <a:spcPct val="90000"/>
+              </a:lnSpc>
+              <a:spcBef>
+                <a:spcPts val="500"/>
+              </a:spcBef>
+              <a:buFont typeface="Arial" panose="020B0604020202020204" pitchFamily="34" charset="0"/>
+              <a:buChar char="•"/>
+              <a:defRPr sz="2400" kern="1200">
+                <a:solidFill>
+                  <a:schemeClr val="tx1"/>
+                </a:solidFill>
+                <a:latin typeface="+mn-lt"/>
+                <a:ea typeface="+mn-ea"/>
+                <a:cs typeface="+mn-cs"/>
+              </a:defRPr>
+            </a:lvl2pPr>
+            <a:lvl3pPr marL="1143000" indent="-228600" algn="l" defTabSz="914400" rtl="0" eaLnBrk="1" latinLnBrk="0" hangingPunct="1">
+              <a:lnSpc>
+                <a:spcPct val="90000"/>
+              </a:lnSpc>
+              <a:spcBef>
+                <a:spcPts val="500"/>
+              </a:spcBef>
+              <a:buFont typeface="Arial" panose="020B0604020202020204" pitchFamily="34" charset="0"/>
+              <a:buChar char="•"/>
+              <a:defRPr sz="2000" kern="1200">
+                <a:solidFill>
+                  <a:schemeClr val="tx1"/>
+                </a:solidFill>
+                <a:latin typeface="+mn-lt"/>
+                <a:ea typeface="+mn-ea"/>
+                <a:cs typeface="+mn-cs"/>
+              </a:defRPr>
+            </a:lvl3pPr>
+            <a:lvl4pPr marL="1600200" indent="-228600" algn="l" defTabSz="914400" rtl="0" eaLnBrk="1" latinLnBrk="0" hangingPunct="1">
+              <a:lnSpc>
+                <a:spcPct val="90000"/>
+              </a:lnSpc>
+              <a:spcBef>
+                <a:spcPts val="500"/>
+              </a:spcBef>
+              <a:buFont typeface="Arial" panose="020B0604020202020204" pitchFamily="34" charset="0"/>
+              <a:buChar char="•"/>
+              <a:defRPr sz="1800" kern="1200">
+                <a:solidFill>
+                  <a:schemeClr val="tx1"/>
+                </a:solidFill>
+                <a:latin typeface="+mn-lt"/>
+                <a:ea typeface="+mn-ea"/>
+                <a:cs typeface="+mn-cs"/>
+              </a:defRPr>
+            </a:lvl4pPr>
+            <a:lvl5pPr marL="2057400" indent="-228600" algn="l" defTabSz="914400" rtl="0" eaLnBrk="1" latinLnBrk="0" hangingPunct="1">
+              <a:lnSpc>
+                <a:spcPct val="90000"/>
+              </a:lnSpc>
+              <a:spcBef>
+                <a:spcPts val="500"/>
+              </a:spcBef>
+              <a:buFont typeface="Arial" panose="020B0604020202020204" pitchFamily="34" charset="0"/>
+              <a:buChar char="•"/>
+              <a:defRPr sz="1800" kern="1200">
+                <a:solidFill>
+                  <a:schemeClr val="tx1"/>
+                </a:solidFill>
+                <a:latin typeface="+mn-lt"/>
+                <a:ea typeface="+mn-ea"/>
+                <a:cs typeface="+mn-cs"/>
+              </a:defRPr>
+            </a:lvl5pPr>
+            <a:lvl6pPr marL="2514600" indent="-228600" algn="l" defTabSz="914400" rtl="0" eaLnBrk="1" latinLnBrk="0" hangingPunct="1">
+              <a:lnSpc>
+                <a:spcPct val="90000"/>
+              </a:lnSpc>
+              <a:spcBef>
+                <a:spcPts val="500"/>
+              </a:spcBef>
+              <a:buFont typeface="Arial" panose="020B0604020202020204" pitchFamily="34" charset="0"/>
+              <a:buChar char="•"/>
+              <a:defRPr sz="1800" kern="1200">
+                <a:solidFill>
+                  <a:schemeClr val="tx1"/>
+                </a:solidFill>
+                <a:latin typeface="+mn-lt"/>
+                <a:ea typeface="+mn-ea"/>
+                <a:cs typeface="+mn-cs"/>
+              </a:defRPr>
+            </a:lvl6pPr>
+            <a:lvl7pPr marL="2971800" indent="-228600" algn="l" defTabSz="914400" rtl="0" eaLnBrk="1" latinLnBrk="0" hangingPunct="1">
+              <a:lnSpc>
+                <a:spcPct val="90000"/>
+              </a:lnSpc>
+              <a:spcBef>
+                <a:spcPts val="500"/>
+              </a:spcBef>
+              <a:buFont typeface="Arial" panose="020B0604020202020204" pitchFamily="34" charset="0"/>
+              <a:buChar char="•"/>
+              <a:defRPr sz="1800" kern="1200">
+                <a:solidFill>
+                  <a:schemeClr val="tx1"/>
+                </a:solidFill>
+                <a:latin typeface="+mn-lt"/>
+                <a:ea typeface="+mn-ea"/>
+                <a:cs typeface="+mn-cs"/>
+              </a:defRPr>
+            </a:lvl7pPr>
+            <a:lvl8pPr marL="3429000" indent="-228600" algn="l" defTabSz="914400" rtl="0" eaLnBrk="1" latinLnBrk="0" hangingPunct="1">
+              <a:lnSpc>
+                <a:spcPct val="90000"/>
+              </a:lnSpc>
+              <a:spcBef>
+                <a:spcPts val="500"/>
+              </a:spcBef>
+              <a:buFont typeface="Arial" panose="020B0604020202020204" pitchFamily="34" charset="0"/>
+              <a:buChar char="•"/>
+              <a:defRPr sz="1800" kern="1200">
+                <a:solidFill>
+                  <a:schemeClr val="tx1"/>
+                </a:solidFill>
+                <a:latin typeface="+mn-lt"/>
+                <a:ea typeface="+mn-ea"/>
+                <a:cs typeface="+mn-cs"/>
+              </a:defRPr>
+            </a:lvl8pPr>
+            <a:lvl9pPr marL="3886200" indent="-228600" algn="l" defTabSz="914400" rtl="0" eaLnBrk="1" latinLnBrk="0" hangingPunct="1">
+              <a:lnSpc>
+                <a:spcPct val="90000"/>
+              </a:lnSpc>
+              <a:spcBef>
+                <a:spcPts val="500"/>
+              </a:spcBef>
+              <a:buFont typeface="Arial" panose="020B0604020202020204" pitchFamily="34" charset="0"/>
+              <a:buChar char="•"/>
+              <a:defRPr sz="1800" kern="1200">
+                <a:solidFill>
+                  <a:schemeClr val="tx1"/>
+                </a:solidFill>
+                <a:latin typeface="+mn-lt"/>
+                <a:ea typeface="+mn-ea"/>
+                <a:cs typeface="+mn-cs"/>
+              </a:defRPr>
+            </a:lvl9pPr>
+          </a:lstStyle>
+          <a:p>
+            <a:pPr marL="0" indent="0">
+              <a:buFont typeface="Arial" panose="020B0604020202020204" pitchFamily="34" charset="0"/>
+              <a:buNone/>
+            </a:pPr>
+            <a:r>
+              <a:rPr lang="en-US" sz="2400" i="1" dirty="0"/>
+              <a:t>Dependencies</a:t>
+            </a:r>
+            <a:r>
+              <a:rPr lang="en-US" sz="2400" dirty="0"/>
+              <a:t> – </a:t>
+            </a:r>
+            <a:r>
+              <a:rPr lang="en-US" sz="2300" dirty="0"/>
+              <a:t>A library may be written to require a specific version of another library. </a:t>
+            </a:r>
+          </a:p>
+          <a:p>
+            <a:pPr marL="0" indent="0">
+              <a:buFont typeface="Arial" panose="020B0604020202020204" pitchFamily="34" charset="0"/>
+              <a:buNone/>
+            </a:pPr>
+            <a:r>
+              <a:rPr lang="en-US" sz="2400" i="1" dirty="0"/>
+              <a:t>Environments</a:t>
+            </a:r>
+            <a:r>
+              <a:rPr lang="en-US" sz="2400" dirty="0"/>
+              <a:t> – </a:t>
+            </a:r>
+            <a:r>
+              <a:rPr lang="en-US" sz="2300" dirty="0"/>
+              <a:t>help manage multiple set-ups with different  library versions.</a:t>
+            </a:r>
+          </a:p>
+          <a:p>
+            <a:endParaRPr lang="en-US" sz="1900" dirty="0"/>
+          </a:p>
+          <a:p>
+            <a:r>
+              <a:rPr lang="en-US" sz="2200" dirty="0"/>
+              <a:t>Anaconda distribution - comes with many scientific packages</a:t>
+            </a:r>
+          </a:p>
+          <a:p>
+            <a:r>
+              <a:rPr lang="en-US" sz="2200" dirty="0"/>
               <a:t>Mini-</a:t>
             </a:r>
             <a:r>
-              <a:rPr lang="en-US" dirty="0" err="1"/>
+              <a:rPr lang="en-US" sz="2200" dirty="0" err="1"/>
               <a:t>conda</a:t>
             </a:r>
             <a:r>
-              <a:rPr lang="en-US" dirty="0"/>
-              <a:t> (same but fewer packages)</a:t>
-            </a:r>
-          </a:p>
-          <a:p>
-            <a:r>
-              <a:rPr lang="en-US" dirty="0"/>
-              <a:t>Both use Conda environment management (ArcGIS Pro too)</a:t>
-            </a:r>
-          </a:p>
-          <a:p>
-            <a:pPr lvl="1"/>
-            <a:r>
-              <a:rPr lang="en-US" dirty="0"/>
-              <a:t>If you have a package that uses a different version it allows you to switch between them using environments.</a:t>
+              <a:rPr lang="en-US" sz="2200" dirty="0"/>
+              <a:t> distribution - same but fewer packages</a:t>
+            </a:r>
+          </a:p>
+          <a:p>
+            <a:r>
+              <a:rPr lang="en-US" sz="2200" dirty="0"/>
+              <a:t>ArcGIS Pro – includes </a:t>
+            </a:r>
+            <a:r>
+              <a:rPr lang="en-US" sz="2200" dirty="0" err="1"/>
+              <a:t>conda</a:t>
+            </a:r>
+            <a:r>
+              <a:rPr lang="en-US" sz="2200" dirty="0"/>
+              <a:t> and several standard GIS libraries (e.g. pandas)</a:t>
             </a:r>
           </a:p>
           <a:p>
             <a:pPr marL="0" indent="0">
               <a:buNone/>
             </a:pPr>
-            <a:r>
-              <a:rPr lang="en-US" dirty="0"/>
-              <a:t>The EPA python community of practice is working on a standard install to bypass the freeware approvals like R</a:t>
-            </a:r>
+            <a:endParaRPr lang="en-US" sz="1900" dirty="0"/>
           </a:p>
           <a:p>
             <a:pPr marL="0" indent="0">
               <a:buNone/>
             </a:pPr>
-            <a:endParaRPr lang="en-US" dirty="0"/>
-          </a:p>
-          <a:p>
-            <a:pPr marL="0" indent="0">
-              <a:buNone/>
-            </a:pPr>
-            <a:r>
-              <a:rPr lang="en-US" dirty="0"/>
-              <a:t>For now we are going rely on the environment already installed with ArcGIS Pro. ArcGIS desktop include a python installation, but an early version (2.7) and no </a:t>
-            </a:r>
-            <a:r>
-              <a:rPr lang="en-US" dirty="0" err="1"/>
-              <a:t>conda</a:t>
-            </a:r>
-            <a:r>
-              <a:rPr lang="en-US" dirty="0"/>
-              <a:t>.</a:t>
+            <a:r>
+              <a:rPr lang="en-US" sz="2600" dirty="0"/>
+              <a:t>All use </a:t>
+            </a:r>
+            <a:r>
+              <a:rPr lang="en-US" sz="2600" dirty="0" err="1"/>
+              <a:t>Conda</a:t>
+            </a:r>
+            <a:r>
+              <a:rPr lang="en-US" sz="2600" dirty="0"/>
+              <a:t> for environment management</a:t>
             </a:r>
           </a:p>
         </p:txBody>
@@ -5231,6 +5691,84 @@
   <p:clrMapOvr>
     <a:masterClrMapping/>
   </p:clrMapOvr>
+  <p:timing>
+    <p:tnLst>
+      <p:par>
+        <p:cTn id="1" dur="indefinite" restart="never" nodeType="tmRoot">
+          <p:childTnLst>
+            <p:seq concurrent="1" nextAc="seek">
+              <p:cTn id="2" dur="indefinite" nodeType="mainSeq">
+                <p:childTnLst>
+                  <p:par>
+                    <p:cTn id="3" fill="hold">
+                      <p:stCondLst>
+                        <p:cond delay="indefinite"/>
+                      </p:stCondLst>
+                      <p:childTnLst>
+                        <p:par>
+                          <p:cTn id="4" fill="hold">
+                            <p:stCondLst>
+                              <p:cond delay="0"/>
+                            </p:stCondLst>
+                            <p:childTnLst>
+                              <p:par>
+                                <p:cTn id="5" presetID="1" presetClass="entr" presetSubtype="0" fill="hold" grpId="0" nodeType="clickEffect">
+                                  <p:stCondLst>
+                                    <p:cond delay="0"/>
+                                  </p:stCondLst>
+                                  <p:childTnLst>
+                                    <p:set>
+                                      <p:cBhvr>
+                                        <p:cTn id="6" dur="1" fill="hold">
+                                          <p:stCondLst>
+                                            <p:cond delay="0"/>
+                                          </p:stCondLst>
+                                        </p:cTn>
+                                        <p:tgtEl>
+                                          <p:spTgt spid="8"/>
+                                        </p:tgtEl>
+                                        <p:attrNameLst>
+                                          <p:attrName>style.visibility</p:attrName>
+                                        </p:attrNameLst>
+                                      </p:cBhvr>
+                                      <p:to>
+                                        <p:strVal val="visible"/>
+                                      </p:to>
+                                    </p:set>
+                                  </p:childTnLst>
+                                </p:cTn>
+                              </p:par>
+                            </p:childTnLst>
+                          </p:cTn>
+                        </p:par>
+                      </p:childTnLst>
+                    </p:cTn>
+                  </p:par>
+                </p:childTnLst>
+              </p:cTn>
+              <p:prevCondLst>
+                <p:cond evt="onPrev" delay="0">
+                  <p:tgtEl>
+                    <p:sldTgt/>
+                  </p:tgtEl>
+                </p:cond>
+              </p:prevCondLst>
+              <p:nextCondLst>
+                <p:cond evt="onNext" delay="0">
+                  <p:tgtEl>
+                    <p:sldTgt/>
+                  </p:tgtEl>
+                </p:cond>
+              </p:nextCondLst>
+            </p:seq>
+          </p:childTnLst>
+        </p:cTn>
+      </p:par>
+    </p:tnLst>
+    <p:bldLst>
+      <p:bldP spid="8" grpId="0"/>
+    </p:bldLst>
+  </p:timing>
 </p:sld>
 </file>
 
@@ -5253,204 +5791,69 @@
       </p:grpSpPr>
       <p:sp>
         <p:nvSpPr>
-          <p:cNvPr id="2" name="Title 1"/>
-          <p:cNvSpPr>
-            <a:spLocks noGrp="1"/>
-          </p:cNvSpPr>
-          <p:nvPr>
-            <p:ph type="title"/>
-          </p:nvPr>
-        </p:nvSpPr>
-        <p:spPr/>
-        <p:txBody>
-          <a:bodyPr/>
-          <a:lstStyle/>
-          <a:p>
-            <a:r>
-              <a:rPr lang="en-US" dirty="0"/>
-              <a:t>Tools</a:t>
-            </a:r>
-          </a:p>
-        </p:txBody>
-      </p:sp>
-      <p:sp>
-        <p:nvSpPr>
-          <p:cNvPr id="3" name="Content Placeholder 2"/>
-          <p:cNvSpPr>
-            <a:spLocks noGrp="1"/>
-          </p:cNvSpPr>
-          <p:nvPr>
-            <p:ph idx="1"/>
-          </p:nvPr>
+          <p:cNvPr id="5" name="Rectangle 4">
+            <a:extLst>
+              <a:ext uri="{FF2B5EF4-FFF2-40B4-BE49-F238E27FC236}">
+                <a16:creationId xmlns:a16="http://schemas.microsoft.com/office/drawing/2014/main" id="{A3BB7EF2-FFC0-4422-AC09-76226C6B9C73}"/>
+              </a:ext>
+            </a:extLst>
+          </p:cNvPr>
+          <p:cNvSpPr/>
+          <p:nvPr/>
         </p:nvSpPr>
         <p:spPr>
           <a:xfrm>
-            <a:off x="838200" y="1587500"/>
-            <a:ext cx="10515600" cy="4589463"/>
+            <a:off x="453005" y="2161992"/>
+            <a:ext cx="10939243" cy="3108543"/>
           </a:xfrm>
+          <a:prstGeom prst="rect">
+            <a:avLst/>
+          </a:prstGeom>
         </p:spPr>
         <p:txBody>
-          <a:bodyPr>
-            <a:normAutofit fontScale="92500" lnSpcReduction="20000"/>
+          <a:bodyPr wrap="square">
+            <a:spAutoFit/>
           </a:bodyPr>
           <a:lstStyle/>
           <a:p>
             <a:r>
-              <a:rPr lang="en-US" dirty="0"/>
-              <a:t>Text editor – where your script is written</a:t>
-            </a:r>
-          </a:p>
-          <a:p>
-            <a:pPr lvl="1"/>
-            <a:r>
-              <a:rPr lang="en-US" dirty="0"/>
-              <a:t>IDLE (in python </a:t>
-            </a:r>
-            <a:r>
-              <a:rPr lang="en-US" dirty="0" err="1"/>
-              <a:t>instal</a:t>
-            </a:r>
-            <a:r>
-              <a:rPr lang="en-US" dirty="0"/>
-              <a:t>)</a:t>
-            </a:r>
-          </a:p>
-          <a:p>
-            <a:pPr lvl="1"/>
-            <a:r>
-              <a:rPr lang="en-US" dirty="0"/>
-              <a:t>Notepad</a:t>
-            </a:r>
-          </a:p>
-          <a:p>
-            <a:pPr lvl="1"/>
-            <a:r>
-              <a:rPr lang="en-US" dirty="0"/>
-              <a:t>Notepad++</a:t>
-            </a:r>
-          </a:p>
-          <a:p>
-            <a:pPr lvl="1"/>
-            <a:r>
-              <a:rPr lang="en-US" dirty="0"/>
-              <a:t>Visual Studio</a:t>
-            </a:r>
-          </a:p>
-          <a:p>
-            <a:pPr lvl="1"/>
-            <a:r>
-              <a:rPr lang="en-US" dirty="0" err="1"/>
-              <a:t>Rstudio</a:t>
-            </a:r>
-            <a:endParaRPr lang="en-US" dirty="0"/>
-          </a:p>
-          <a:p>
-            <a:r>
-              <a:rPr lang="en-US" dirty="0"/>
-              <a:t>Development environment (IDE) – where code is run (Console)</a:t>
-            </a:r>
-          </a:p>
-          <a:p>
-            <a:pPr lvl="1"/>
-            <a:r>
-              <a:rPr lang="en-US" dirty="0"/>
-              <a:t>Command line</a:t>
-            </a:r>
-          </a:p>
-          <a:p>
-            <a:pPr lvl="1"/>
-            <a:r>
-              <a:rPr lang="en-US" dirty="0" err="1"/>
-              <a:t>Spyder</a:t>
-            </a:r>
-            <a:r>
-              <a:rPr lang="en-US" dirty="0"/>
-              <a:t> (similar to R studio/</a:t>
-            </a:r>
-            <a:r>
-              <a:rPr lang="en-US" dirty="0" err="1"/>
-              <a:t>matlab</a:t>
-            </a:r>
-            <a:r>
-              <a:rPr lang="en-US" dirty="0"/>
-              <a:t>, comes with </a:t>
-            </a:r>
-            <a:r>
-              <a:rPr lang="en-US" dirty="0" err="1"/>
-              <a:t>annaconda</a:t>
-            </a:r>
-            <a:r>
-              <a:rPr lang="en-US" dirty="0"/>
-              <a:t>)</a:t>
-            </a:r>
-          </a:p>
-          <a:p>
-            <a:pPr lvl="1"/>
-            <a:r>
-              <a:rPr lang="en-US" dirty="0" err="1"/>
-              <a:t>PyCharm</a:t>
-            </a:r>
-            <a:r>
-              <a:rPr lang="en-US" dirty="0"/>
-              <a:t> (good for web dev, </a:t>
-            </a:r>
-            <a:r>
-              <a:rPr lang="en-US" dirty="0" err="1"/>
-              <a:t>Git</a:t>
-            </a:r>
-            <a:r>
-              <a:rPr lang="en-US" dirty="0"/>
-              <a:t>, support for JS, HTML/CSS etc.)</a:t>
-            </a:r>
-          </a:p>
-          <a:p>
-            <a:pPr lvl="1"/>
-            <a:r>
-              <a:rPr lang="en-US" dirty="0" err="1"/>
-              <a:t>Jupyter</a:t>
-            </a:r>
-            <a:r>
-              <a:rPr lang="en-US" dirty="0"/>
-              <a:t> notebooks (cloud- based, great for instruction and web based)</a:t>
-            </a:r>
-          </a:p>
-          <a:p>
-            <a:pPr lvl="1"/>
-            <a:r>
-              <a:rPr lang="en-US" dirty="0"/>
-              <a:t>Rodeo (very similar look/feel to </a:t>
-            </a:r>
-            <a:r>
-              <a:rPr lang="en-US" dirty="0" err="1"/>
-              <a:t>Rstudio</a:t>
-            </a:r>
-            <a:r>
-              <a:rPr lang="en-US" dirty="0"/>
-              <a:t>)</a:t>
-            </a:r>
-          </a:p>
-          <a:p>
-            <a:pPr lvl="1"/>
-            <a:endParaRPr lang="en-US" dirty="0"/>
-          </a:p>
-          <a:p>
-            <a:pPr marL="457200" lvl="1" indent="0">
-              <a:buNone/>
-            </a:pPr>
-            <a:r>
-              <a:rPr lang="en-US" dirty="0">
+              <a:rPr lang="en-US" sz="2800" dirty="0"/>
+              <a:t>The EPA python COP is working on a standard install to bypass the freeware approvals like R, for now these are their </a:t>
+            </a:r>
+            <a:r>
+              <a:rPr lang="en-US" sz="2800" dirty="0">
                 <a:hlinkClick r:id="rId2"/>
               </a:rPr>
-              <a:t>More IDEs</a:t>
-            </a:r>
-            <a:endParaRPr lang="en-US" dirty="0"/>
+              <a:t>recommended installs</a:t>
+            </a:r>
+            <a:endParaRPr lang="en-US" sz="2800" dirty="0"/>
+          </a:p>
+          <a:p>
+            <a:endParaRPr lang="en-US" sz="2800" dirty="0"/>
+          </a:p>
+          <a:p>
+            <a:endParaRPr lang="en-US" sz="2800" dirty="0"/>
+          </a:p>
+          <a:p>
+            <a:r>
+              <a:rPr lang="en-US" sz="2800" dirty="0"/>
+              <a:t>For now we are going rely on the environment already installed with ArcGIS Pro. ArcGIS desktop includes a python installation, but an early version (2.7) and no </a:t>
+            </a:r>
+            <a:r>
+              <a:rPr lang="en-US" sz="2800" dirty="0" err="1"/>
+              <a:t>conda</a:t>
+            </a:r>
+            <a:r>
+              <a:rPr lang="en-US" sz="2800" dirty="0"/>
+              <a:t>.</a:t>
+            </a:r>
           </a:p>
         </p:txBody>
       </p:sp>
     </p:spTree>
     <p:extLst>
       <p:ext uri="{BB962C8B-B14F-4D97-AF65-F5344CB8AC3E}">
-        <p14:creationId xmlns:p14="http://schemas.microsoft.com/office/powerpoint/2010/main" val="720281692"/>
+        <p14:creationId xmlns:p14="http://schemas.microsoft.com/office/powerpoint/2010/main" val="2653293984"/>
       </p:ext>
     </p:extLst>
   </p:cSld>
@@ -5479,13 +5882,7 @@
       </p:grpSpPr>
       <p:sp>
         <p:nvSpPr>
-          <p:cNvPr id="2" name="Title 1">
-            <a:extLst>
-              <a:ext uri="{FF2B5EF4-FFF2-40B4-BE49-F238E27FC236}">
-                <a16:creationId xmlns:a16="http://schemas.microsoft.com/office/drawing/2014/main" id="{B1FFC0C3-7F02-4270-90CA-8BC176B2A313}"/>
-              </a:ext>
-            </a:extLst>
-          </p:cNvPr>
+          <p:cNvPr id="2" name="Title 1"/>
           <p:cNvSpPr>
             <a:spLocks noGrp="1"/>
           </p:cNvSpPr>
@@ -5500,20 +5897,14 @@
           <a:p>
             <a:r>
               <a:rPr lang="en-US" dirty="0"/>
-              <a:t>**EXERCISE**</a:t>
-            </a:r>
-          </a:p>
-        </p:txBody>
-      </p:sp>
-      <p:sp>
-        <p:nvSpPr>
-          <p:cNvPr id="3" name="Content Placeholder 2">
-            <a:extLst>
-              <a:ext uri="{FF2B5EF4-FFF2-40B4-BE49-F238E27FC236}">
-                <a16:creationId xmlns:a16="http://schemas.microsoft.com/office/drawing/2014/main" id="{8590F530-3FF1-477B-A06A-D566565D2A15}"/>
-              </a:ext>
-            </a:extLst>
-          </p:cNvPr>
+              <a:t>Tools</a:t>
+            </a:r>
+          </a:p>
+        </p:txBody>
+      </p:sp>
+      <p:sp>
+        <p:nvSpPr>
+          <p:cNvPr id="3" name="Content Placeholder 2"/>
           <p:cNvSpPr>
             <a:spLocks noGrp="1"/>
           </p:cNvSpPr>
@@ -5521,54 +5912,174 @@
             <p:ph idx="1"/>
           </p:nvPr>
         </p:nvSpPr>
-        <p:spPr/>
-        <p:txBody>
-          <a:bodyPr/>
-          <a:lstStyle/>
-          <a:p>
-            <a:pPr>
-              <a:buFontTx/>
-              <a:buChar char="-"/>
+        <p:spPr>
+          <a:xfrm>
+            <a:off x="838200" y="1587500"/>
+            <a:ext cx="10515600" cy="4589463"/>
+          </a:xfrm>
+        </p:spPr>
+        <p:txBody>
+          <a:bodyPr>
+            <a:normAutofit fontScale="92500" lnSpcReduction="20000"/>
+          </a:bodyPr>
+          <a:lstStyle/>
+          <a:p>
+            <a:r>
+              <a:rPr lang="en-US" dirty="0"/>
+              <a:t>Text editor – where your script is written</a:t>
+            </a:r>
+          </a:p>
+          <a:p>
+            <a:pPr lvl="1"/>
+            <a:r>
+              <a:rPr lang="en-US" dirty="0"/>
+              <a:t>IDLE (in python </a:t>
+            </a:r>
+            <a:r>
+              <a:rPr lang="en-US" dirty="0" err="1"/>
+              <a:t>instal</a:t>
+            </a:r>
+            <a:r>
+              <a:rPr lang="en-US" dirty="0"/>
+              <a:t>)</a:t>
+            </a:r>
+          </a:p>
+          <a:p>
+            <a:pPr lvl="1"/>
+            <a:r>
+              <a:rPr lang="en-US" dirty="0"/>
+              <a:t>Notepad</a:t>
+            </a:r>
+          </a:p>
+          <a:p>
+            <a:pPr lvl="1"/>
+            <a:r>
+              <a:rPr lang="en-US" dirty="0"/>
+              <a:t>Notepad++</a:t>
+            </a:r>
+          </a:p>
+          <a:p>
+            <a:pPr lvl="1"/>
+            <a:r>
+              <a:rPr lang="en-US" dirty="0"/>
+              <a:t>Visual Studio</a:t>
+            </a:r>
+          </a:p>
+          <a:p>
+            <a:pPr lvl="1"/>
+            <a:r>
+              <a:rPr lang="en-US" dirty="0" err="1"/>
+              <a:t>Rstudio</a:t>
+            </a:r>
+            <a:endParaRPr lang="en-US" dirty="0"/>
+          </a:p>
+          <a:p>
+            <a:r>
+              <a:rPr lang="en-US" dirty="0"/>
+              <a:t>Development environment (IDE) – where code is run (Console)</a:t>
+            </a:r>
+          </a:p>
+          <a:p>
+            <a:pPr lvl="1"/>
+            <a:r>
+              <a:rPr lang="en-US" dirty="0"/>
+              <a:t>Command line</a:t>
+            </a:r>
+          </a:p>
+          <a:p>
+            <a:pPr lvl="1"/>
+            <a:r>
+              <a:rPr lang="en-US" dirty="0" err="1"/>
+              <a:t>Spyder</a:t>
+            </a:r>
+            <a:r>
+              <a:rPr lang="en-US" dirty="0"/>
+              <a:t> (similar to R studio/</a:t>
+            </a:r>
+            <a:r>
+              <a:rPr lang="en-US" dirty="0" err="1"/>
+              <a:t>matlab</a:t>
+            </a:r>
+            <a:r>
+              <a:rPr lang="en-US" dirty="0"/>
+              <a:t>, comes with </a:t>
+            </a:r>
+            <a:r>
+              <a:rPr lang="en-US" dirty="0" err="1"/>
+              <a:t>annaconda</a:t>
+            </a:r>
+            <a:r>
+              <a:rPr lang="en-US" dirty="0"/>
+              <a:t>)</a:t>
+            </a:r>
+          </a:p>
+          <a:p>
+            <a:pPr lvl="1"/>
+            <a:r>
+              <a:rPr lang="en-US" dirty="0" err="1"/>
+              <a:t>PyCharm</a:t>
+            </a:r>
+            <a:r>
+              <a:rPr lang="en-US" dirty="0"/>
+              <a:t> (good for web dev, </a:t>
+            </a:r>
+            <a:r>
+              <a:rPr lang="en-US" dirty="0" err="1"/>
+              <a:t>Git</a:t>
+            </a:r>
+            <a:r>
+              <a:rPr lang="en-US" dirty="0"/>
+              <a:t>, support for JS, HTML/CSS etc.)</a:t>
+            </a:r>
+          </a:p>
+          <a:p>
+            <a:pPr lvl="1"/>
+            <a:r>
+              <a:rPr lang="en-US" dirty="0" err="1"/>
+              <a:t>Jupyter</a:t>
+            </a:r>
+            <a:r>
+              <a:rPr lang="en-US" dirty="0"/>
+              <a:t> notebooks (cloud- based, great for instruction and web based)</a:t>
+            </a:r>
+          </a:p>
+          <a:p>
+            <a:pPr lvl="1"/>
+            <a:r>
+              <a:rPr lang="en-US" dirty="0"/>
+              <a:t>Rodeo (very similar look/feel to </a:t>
+            </a:r>
+            <a:r>
+              <a:rPr lang="en-US" dirty="0" err="1"/>
+              <a:t>Rstudio</a:t>
+            </a:r>
+            <a:r>
+              <a:rPr lang="en-US" dirty="0"/>
+              <a:t>)</a:t>
+            </a:r>
+          </a:p>
+          <a:p>
+            <a:pPr lvl="1"/>
+            <a:endParaRPr lang="en-US" dirty="0"/>
+          </a:p>
+          <a:p>
+            <a:pPr marL="457200" lvl="1" indent="0">
+              <a:buNone/>
             </a:pPr>
             <a:r>
-              <a:rPr lang="en-US" dirty="0"/>
-              <a:t>Find your Python installation</a:t>
-            </a:r>
-          </a:p>
-          <a:p>
-            <a:pPr>
-              <a:buFontTx/>
-              <a:buChar char="-"/>
-            </a:pPr>
-            <a:r>
-              <a:rPr lang="en-US" dirty="0"/>
-              <a:t>Import </a:t>
-            </a:r>
-            <a:r>
-              <a:rPr lang="en-US" dirty="0" err="1"/>
-              <a:t>arcpy</a:t>
-            </a:r>
-            <a:r>
-              <a:rPr lang="en-US" dirty="0"/>
-              <a:t> lib</a:t>
-            </a:r>
-          </a:p>
-          <a:p>
-            <a:pPr>
-              <a:buFontTx/>
-              <a:buChar char="-"/>
-            </a:pPr>
-            <a:r>
-              <a:rPr lang="en-US" dirty="0"/>
-              <a:t>Create a new environment</a:t>
-            </a:r>
+              <a:rPr lang="en-US" dirty="0">
+                <a:hlinkClick r:id="rId2"/>
+              </a:rPr>
+              <a:t>More IDEs</a:t>
+            </a:r>
+            <a:endParaRPr lang="en-US" dirty="0"/>
           </a:p>
         </p:txBody>
       </p:sp>
     </p:spTree>
     <p:extLst>
       <p:ext uri="{BB962C8B-B14F-4D97-AF65-F5344CB8AC3E}">
-        <p14:creationId xmlns:p14="http://schemas.microsoft.com/office/powerpoint/2010/main" val="768481987"/>
+        <p14:creationId xmlns:p14="http://schemas.microsoft.com/office/powerpoint/2010/main" val="720281692"/>
       </p:ext>
     </p:extLst>
   </p:cSld>
@@ -5597,7 +6108,13 @@
       </p:grpSpPr>
       <p:sp>
         <p:nvSpPr>
-          <p:cNvPr id="2" name="Title 1"/>
+          <p:cNvPr id="2" name="Title 1">
+            <a:extLst>
+              <a:ext uri="{FF2B5EF4-FFF2-40B4-BE49-F238E27FC236}">
+                <a16:creationId xmlns:a16="http://schemas.microsoft.com/office/drawing/2014/main" id="{B1FFC0C3-7F02-4270-90CA-8BC176B2A313}"/>
+              </a:ext>
+            </a:extLst>
+          </p:cNvPr>
           <p:cNvSpPr>
             <a:spLocks noGrp="1"/>
           </p:cNvSpPr>
@@ -5612,14 +6129,20 @@
           <a:p>
             <a:r>
               <a:rPr lang="en-US" dirty="0"/>
-              <a:t>Python 2.7 or 3?</a:t>
-            </a:r>
-          </a:p>
-        </p:txBody>
-      </p:sp>
-      <p:sp>
-        <p:nvSpPr>
-          <p:cNvPr id="3" name="Content Placeholder 2"/>
+              <a:t>**EXERCISE**</a:t>
+            </a:r>
+          </a:p>
+        </p:txBody>
+      </p:sp>
+      <p:sp>
+        <p:nvSpPr>
+          <p:cNvPr id="3" name="Content Placeholder 2">
+            <a:extLst>
+              <a:ext uri="{FF2B5EF4-FFF2-40B4-BE49-F238E27FC236}">
+                <a16:creationId xmlns:a16="http://schemas.microsoft.com/office/drawing/2014/main" id="{8590F530-3FF1-477B-A06A-D566565D2A15}"/>
+              </a:ext>
+            </a:extLst>
+          </p:cNvPr>
           <p:cNvSpPr>
             <a:spLocks noGrp="1"/>
           </p:cNvSpPr>
@@ -5632,69 +6155,41 @@
           <a:bodyPr/>
           <a:lstStyle/>
           <a:p>
-            <a:r>
-              <a:rPr lang="en-US" dirty="0"/>
-              <a:t>2.7 is the last 2.x release (released July 2010)</a:t>
-            </a:r>
-          </a:p>
-          <a:p>
-            <a:pPr lvl="1"/>
-            <a:r>
-              <a:rPr lang="en-US" dirty="0"/>
-              <a:t>ArcGIS desktop install is 2.7 </a:t>
-            </a:r>
-          </a:p>
-          <a:p>
-            <a:pPr lvl="1"/>
-            <a:r>
-              <a:rPr lang="en-US" dirty="0"/>
-              <a:t>No longer supported after 2020 (</a:t>
-            </a:r>
-            <a:r>
-              <a:rPr lang="en-US" dirty="0">
-                <a:hlinkClick r:id="rId2"/>
-              </a:rPr>
-              <a:t>doc link</a:t>
-            </a:r>
-            <a:r>
-              <a:rPr lang="en-US" dirty="0"/>
-              <a:t>)</a:t>
-            </a:r>
-          </a:p>
-          <a:p>
-            <a:r>
-              <a:rPr lang="en-US" dirty="0"/>
-              <a:t>3.x has added base functionality and gets the dev focus</a:t>
-            </a:r>
-          </a:p>
-          <a:p>
-            <a:pPr lvl="1"/>
-            <a:r>
-              <a:rPr lang="en-US" dirty="0"/>
-              <a:t>ArcGIS Pro standard install has 3.x</a:t>
-            </a:r>
-          </a:p>
-          <a:p>
-            <a:pPr lvl="1"/>
-            <a:endParaRPr lang="en-US" dirty="0"/>
-          </a:p>
-          <a:p>
-            <a:pPr marL="0" indent="0">
-              <a:buNone/>
+            <a:pPr>
+              <a:buFontTx/>
+              <a:buChar char="-"/>
             </a:pPr>
             <a:r>
               <a:rPr lang="en-US" dirty="0"/>
-              <a:t>The differences are minor and there are scripts that will automatically convert most things (</a:t>
-            </a:r>
-            <a:r>
-              <a:rPr lang="en-US" dirty="0">
-                <a:hlinkClick r:id="rId3"/>
-              </a:rPr>
-              <a:t>useful list</a:t>
-            </a:r>
-            <a:r>
-              <a:rPr lang="en-US" dirty="0"/>
-              <a:t>)</a:t>
+              <a:t>Find your Python installation</a:t>
+            </a:r>
+          </a:p>
+          <a:p>
+            <a:pPr>
+              <a:buFontTx/>
+              <a:buChar char="-"/>
+            </a:pPr>
+            <a:r>
+              <a:rPr lang="en-US" dirty="0"/>
+              <a:t>Import </a:t>
+            </a:r>
+            <a:r>
+              <a:rPr lang="en-US" dirty="0" err="1"/>
+              <a:t>arcpy</a:t>
+            </a:r>
+            <a:r>
+              <a:rPr lang="en-US" dirty="0"/>
+              <a:t> lib</a:t>
+            </a:r>
+          </a:p>
+          <a:p>
+            <a:pPr>
+              <a:buFontTx/>
+              <a:buChar char="-"/>
+            </a:pPr>
+            <a:r>
+              <a:rPr lang="en-US" dirty="0"/>
+              <a:t>Create a new environment</a:t>
             </a:r>
           </a:p>
         </p:txBody>
@@ -5702,7 +6197,7 @@
     </p:spTree>
     <p:extLst>
       <p:ext uri="{BB962C8B-B14F-4D97-AF65-F5344CB8AC3E}">
-        <p14:creationId xmlns:p14="http://schemas.microsoft.com/office/powerpoint/2010/main" val="4282779714"/>
+        <p14:creationId xmlns:p14="http://schemas.microsoft.com/office/powerpoint/2010/main" val="768481987"/>
       </p:ext>
     </p:extLst>
   </p:cSld>
@@ -5746,7 +6241,7 @@
           <a:p>
             <a:r>
               <a:rPr lang="en-US" dirty="0"/>
-              <a:t>Example difference - Print</a:t>
+              <a:t>Python 2.7 or 3?</a:t>
             </a:r>
           </a:p>
         </p:txBody>
@@ -5761,75 +6256,82 @@
             <p:ph idx="1"/>
           </p:nvPr>
         </p:nvSpPr>
-        <p:spPr>
-          <a:xfrm>
-            <a:off x="609600" y="1566862"/>
-            <a:ext cx="10515600" cy="4351338"/>
-          </a:xfrm>
-        </p:spPr>
+        <p:spPr/>
         <p:txBody>
           <a:bodyPr/>
           <a:lstStyle/>
           <a:p>
             <a:r>
               <a:rPr lang="en-US" dirty="0"/>
-              <a:t>print is used to display text in the terminal</a:t>
-            </a:r>
-          </a:p>
-          <a:p>
-            <a:r>
-              <a:rPr lang="en-US" dirty="0"/>
-              <a:t>print is a statement in py2.7 and a function in 3.x</a:t>
-            </a:r>
-          </a:p>
-          <a:p>
+              <a:t>2.7 is the last 2.x release (released July 2010)</a:t>
+            </a:r>
+          </a:p>
+          <a:p>
+            <a:pPr lvl="1"/>
+            <a:r>
+              <a:rPr lang="en-US" dirty="0"/>
+              <a:t>ArcGIS desktop install is 2.7 </a:t>
+            </a:r>
+          </a:p>
+          <a:p>
+            <a:pPr lvl="1"/>
+            <a:r>
+              <a:rPr lang="en-US" dirty="0"/>
+              <a:t>No longer supported after 2020 (</a:t>
+            </a:r>
+            <a:r>
+              <a:rPr lang="en-US" dirty="0">
+                <a:hlinkClick r:id="rId2"/>
+              </a:rPr>
+              <a:t>doc link</a:t>
+            </a:r>
+            <a:r>
+              <a:rPr lang="en-US" dirty="0"/>
+              <a:t>)</a:t>
+            </a:r>
+          </a:p>
+          <a:p>
+            <a:r>
+              <a:rPr lang="en-US" dirty="0"/>
+              <a:t>3.x has added base functionality and gets the dev focus</a:t>
+            </a:r>
+          </a:p>
+          <a:p>
+            <a:pPr lvl="1"/>
+            <a:r>
+              <a:rPr lang="en-US" dirty="0"/>
+              <a:t>ArcGIS Pro standard install has 3.x</a:t>
+            </a:r>
+          </a:p>
+          <a:p>
+            <a:pPr lvl="1"/>
             <a:endParaRPr lang="en-US" dirty="0"/>
           </a:p>
           <a:p>
-            <a:pPr marL="457200" lvl="1" indent="0">
+            <a:pPr marL="0" indent="0">
               <a:buNone/>
             </a:pPr>
             <a:r>
               <a:rPr lang="en-US" dirty="0"/>
-              <a:t>print(“Hello world!”)</a:t>
-            </a:r>
-          </a:p>
-          <a:p>
-            <a:pPr marL="457200" lvl="1" indent="0">
-              <a:buNone/>
-            </a:pPr>
-            <a:endParaRPr lang="en-US" dirty="0"/>
-          </a:p>
-          <a:p>
-            <a:pPr marL="457200" lvl="1" indent="0">
-              <a:buNone/>
-            </a:pPr>
-            <a:endParaRPr lang="en-US" dirty="0"/>
-          </a:p>
-          <a:p>
-            <a:pPr marL="457200" lvl="1" indent="0">
-              <a:buNone/>
-            </a:pPr>
-            <a:r>
-              <a:rPr lang="en-US" dirty="0"/>
-              <a:t>print “Hello world”</a:t>
-            </a:r>
-          </a:p>
-          <a:p>
-            <a:endParaRPr lang="en-US" dirty="0"/>
-          </a:p>
-          <a:p>
-            <a:pPr marL="0" indent="0">
-              <a:buNone/>
-            </a:pPr>
-            <a:endParaRPr lang="en-US" dirty="0"/>
+              <a:t>The differences are minor and there are scripts that will automatically convert most things (</a:t>
+            </a:r>
+            <a:r>
+              <a:rPr lang="en-US" dirty="0">
+                <a:hlinkClick r:id="rId3"/>
+              </a:rPr>
+              <a:t>useful list</a:t>
+            </a:r>
+            <a:r>
+              <a:rPr lang="en-US" dirty="0"/>
+              <a:t>)</a:t>
+            </a:r>
           </a:p>
         </p:txBody>
       </p:sp>
     </p:spTree>
     <p:extLst>
       <p:ext uri="{BB962C8B-B14F-4D97-AF65-F5344CB8AC3E}">
-        <p14:creationId xmlns:p14="http://schemas.microsoft.com/office/powerpoint/2010/main" val="2455427814"/>
+        <p14:creationId xmlns:p14="http://schemas.microsoft.com/office/powerpoint/2010/main" val="4282779714"/>
       </p:ext>
     </p:extLst>
   </p:cSld>
@@ -5873,7 +6375,7 @@
           <a:p>
             <a:r>
               <a:rPr lang="en-US" dirty="0"/>
-              <a:t>Structure of workgroup</a:t>
+              <a:t>Example difference - Print</a:t>
             </a:r>
           </a:p>
         </p:txBody>
@@ -5888,68 +6390,75 @@
             <p:ph idx="1"/>
           </p:nvPr>
         </p:nvSpPr>
-        <p:spPr/>
+        <p:spPr>
+          <a:xfrm>
+            <a:off x="609600" y="1566862"/>
+            <a:ext cx="10515600" cy="4351338"/>
+          </a:xfrm>
+        </p:spPr>
         <p:txBody>
           <a:bodyPr/>
           <a:lstStyle/>
           <a:p>
             <a:r>
               <a:rPr lang="en-US" dirty="0"/>
-              <a:t>Independent study using </a:t>
-            </a:r>
-            <a:r>
-              <a:rPr lang="en-US" dirty="0" err="1"/>
-              <a:t>codeacademy</a:t>
-            </a:r>
-            <a:r>
-              <a:rPr lang="en-US" dirty="0"/>
-              <a:t> (free account, not the trial):</a:t>
-            </a:r>
+              <a:t>print is used to display text in the terminal</a:t>
+            </a:r>
+          </a:p>
+          <a:p>
+            <a:r>
+              <a:rPr lang="en-US" dirty="0"/>
+              <a:t>print is a statement in py2.7 and a function in 3.x</a:t>
+            </a:r>
+          </a:p>
+          <a:p>
+            <a:endParaRPr lang="en-US" dirty="0"/>
           </a:p>
           <a:p>
             <a:pPr marL="457200" lvl="1" indent="0">
               <a:buNone/>
             </a:pPr>
             <a:r>
-              <a:rPr lang="en-US" dirty="0">
-                <a:hlinkClick r:id="rId2"/>
-              </a:rPr>
-              <a:t>https://www.codecademy.com/es/learn/learn-python</a:t>
-            </a:r>
+              <a:rPr lang="en-US" dirty="0"/>
+              <a:t>print(“Hello world!”)</a:t>
+            </a:r>
+          </a:p>
+          <a:p>
+            <a:pPr marL="457200" lvl="1" indent="0">
+              <a:buNone/>
+            </a:pPr>
             <a:endParaRPr lang="en-US" dirty="0"/>
           </a:p>
           <a:p>
+            <a:pPr marL="457200" lvl="1" indent="0">
+              <a:buNone/>
+            </a:pPr>
             <a:endParaRPr lang="en-US" dirty="0"/>
           </a:p>
           <a:p>
-            <a:r>
-              <a:rPr lang="en-US" dirty="0"/>
-              <a:t>Each week you’ll do 2-4 lessons on there (1-2 hours)</a:t>
+            <a:pPr marL="457200" lvl="1" indent="0">
+              <a:buNone/>
+            </a:pPr>
+            <a:r>
+              <a:rPr lang="en-US" dirty="0"/>
+              <a:t>print “Hello world”</a:t>
             </a:r>
           </a:p>
           <a:p>
             <a:endParaRPr lang="en-US" dirty="0"/>
           </a:p>
           <a:p>
-            <a:r>
-              <a:rPr lang="en-US" dirty="0"/>
-              <a:t>Followed by meeting as a group to take what you learned and apply it in the </a:t>
-            </a:r>
-            <a:r>
-              <a:rPr lang="en-US" dirty="0" err="1"/>
-              <a:t>arcpy</a:t>
-            </a:r>
-            <a:r>
-              <a:rPr lang="en-US" dirty="0"/>
-              <a:t> environment or automating other tasks</a:t>
-            </a:r>
+            <a:pPr marL="0" indent="0">
+              <a:buNone/>
+            </a:pPr>
+            <a:endParaRPr lang="en-US" dirty="0"/>
           </a:p>
         </p:txBody>
       </p:sp>
     </p:spTree>
     <p:extLst>
       <p:ext uri="{BB962C8B-B14F-4D97-AF65-F5344CB8AC3E}">
-        <p14:creationId xmlns:p14="http://schemas.microsoft.com/office/powerpoint/2010/main" val="2371155831"/>
+        <p14:creationId xmlns:p14="http://schemas.microsoft.com/office/powerpoint/2010/main" val="2455427814"/>
       </p:ext>
     </p:extLst>
   </p:cSld>
@@ -6606,6 +7115,14 @@
 </file>
 
 <file path=customXml/itemProps1.xml><?xml version="1.0" encoding="utf-8"?>
+<ds:datastoreItem xmlns:ds="http://schemas.openxmlformats.org/officeDocument/2006/customXml" ds:itemID="{C4CB591D-8B76-467C-B7DB-8B788B88355E}">
+  <ds:schemaRefs>
+    <ds:schemaRef ds:uri="ESRI.ArcGIS.Mapping.OfficeIntegration.PowerPointInfo"/>
+  </ds:schemaRefs>
+</ds:datastoreItem>
+</file>
+
+<file path=customXml/itemProps2.xml><?xml version="1.0" encoding="utf-8"?>
 <ds:datastoreItem xmlns:ds="http://schemas.openxmlformats.org/officeDocument/2006/customXml" ds:itemID="{B4ED4E1A-7619-4DCC-A880-50791001ECAE}">
   <ds:schemaRefs>
     <ds:schemaRef ds:uri="ESRI.ArcGIS.Mapping.OfficeIntegration.PowerPointInfo"/>
@@ -6613,15 +7130,39 @@
 </ds:datastoreItem>
 </file>
 
-<file path=customXml/itemProps2.xml><?xml version="1.0" encoding="utf-8"?>
-<ds:datastoreItem xmlns:ds="http://schemas.openxmlformats.org/officeDocument/2006/customXml" ds:itemID="{C4CB591D-8B76-467C-B7DB-8B788B88355E}">
+<file path=customXml/itemProps3.xml><?xml version="1.0" encoding="utf-8"?>
+<ds:datastoreItem xmlns:ds="http://schemas.openxmlformats.org/officeDocument/2006/customXml" ds:itemID="{CCE50613-793B-4AF0-A63E-7C5218749A17}">
   <ds:schemaRefs>
     <ds:schemaRef ds:uri="ESRI.ArcGIS.Mapping.OfficeIntegration.PowerPointInfo"/>
   </ds:schemaRefs>
 </ds:datastoreItem>
 </file>
 
-<file path=customXml/itemProps3.xml><?xml version="1.0" encoding="utf-8"?>
+<file path=customXml/itemProps4.xml><?xml version="1.0" encoding="utf-8"?>
+<ds:datastoreItem xmlns:ds="http://schemas.openxmlformats.org/officeDocument/2006/customXml" ds:itemID="{AB2FBF9C-286F-42AD-8D5D-164DC0FBA669}">
+  <ds:schemaRefs>
+    <ds:schemaRef ds:uri="ESRI.ArcGIS.Mapping.OfficeIntegration.PowerPointInfo"/>
+  </ds:schemaRefs>
+</ds:datastoreItem>
+</file>
+
+<file path=customXml/itemProps5.xml><?xml version="1.0" encoding="utf-8"?>
+<ds:datastoreItem xmlns:ds="http://schemas.openxmlformats.org/officeDocument/2006/customXml" ds:itemID="{C136BDEE-09E8-4161-B542-48BA024535AC}">
+  <ds:schemaRefs>
+    <ds:schemaRef ds:uri="ESRI.ArcGIS.Mapping.OfficeIntegration.PowerPointInfo"/>
+  </ds:schemaRefs>
+</ds:datastoreItem>
+</file>
+
+<file path=customXml/itemProps6.xml><?xml version="1.0" encoding="utf-8"?>
+<ds:datastoreItem xmlns:ds="http://schemas.openxmlformats.org/officeDocument/2006/customXml" ds:itemID="{BDF77693-2147-4F59-99F4-6128532CCE3E}">
+  <ds:schemaRefs>
+    <ds:schemaRef ds:uri="ESRI.ArcGIS.Mapping.OfficeIntegration.PowerPointInfo"/>
+  </ds:schemaRefs>
+</ds:datastoreItem>
+</file>
+
+<file path=customXml/itemProps7.xml><?xml version="1.0" encoding="utf-8"?>
 <ds:datastoreItem xmlns:ds="http://schemas.openxmlformats.org/officeDocument/2006/customXml" ds:itemID="{0CA77BFB-232B-4FD9-8F50-8EB48DFEA8C9}">
   <ds:schemaRefs>
     <ds:schemaRef ds:uri="ESRI.ArcGIS.Mapping.OfficeIntegration.PowerPointInfo"/>
@@ -6629,42 +7170,10 @@
 </ds:datastoreItem>
 </file>
 
-<file path=customXml/itemProps4.xml><?xml version="1.0" encoding="utf-8"?>
-<ds:datastoreItem xmlns:ds="http://schemas.openxmlformats.org/officeDocument/2006/customXml" ds:itemID="{C136BDEE-09E8-4161-B542-48BA024535AC}">
-  <ds:schemaRefs>
-    <ds:schemaRef ds:uri="ESRI.ArcGIS.Mapping.OfficeIntegration.PowerPointInfo"/>
-  </ds:schemaRefs>
-</ds:datastoreItem>
-</file>
-
-<file path=customXml/itemProps5.xml><?xml version="1.0" encoding="utf-8"?>
-<ds:datastoreItem xmlns:ds="http://schemas.openxmlformats.org/officeDocument/2006/customXml" ds:itemID="{AB2FBF9C-286F-42AD-8D5D-164DC0FBA669}">
-  <ds:schemaRefs>
-    <ds:schemaRef ds:uri="ESRI.ArcGIS.Mapping.OfficeIntegration.PowerPointInfo"/>
-  </ds:schemaRefs>
-</ds:datastoreItem>
-</file>
-
-<file path=customXml/itemProps6.xml><?xml version="1.0" encoding="utf-8"?>
-<ds:datastoreItem xmlns:ds="http://schemas.openxmlformats.org/officeDocument/2006/customXml" ds:itemID="{CCE50613-793B-4AF0-A63E-7C5218749A17}">
-  <ds:schemaRefs>
-    <ds:schemaRef ds:uri="ESRI.ArcGIS.Mapping.OfficeIntegration.PowerPointInfo"/>
-  </ds:schemaRefs>
-</ds:datastoreItem>
-</file>
-
-<file path=customXml/itemProps7.xml><?xml version="1.0" encoding="utf-8"?>
+<file path=customXml/itemProps8.xml><?xml version="1.0" encoding="utf-8"?>
 <ds:datastoreItem xmlns:ds="http://schemas.openxmlformats.org/officeDocument/2006/customXml" ds:itemID="{9942CAF7-AC56-4D70-9CFD-9BFB88CB77D4}">
   <ds:schemaRefs>
     <ds:schemaRef ds:uri="ESRI.ArcGIS.Mapping.OfficeIntegration.PowerPointInfo"/>
   </ds:schemaRefs>
 </ds:datastoreItem>
-</file>
-
-<file path=customXml/itemProps8.xml><?xml version="1.0" encoding="utf-8"?>
-<ds:datastoreItem xmlns:ds="http://schemas.openxmlformats.org/officeDocument/2006/customXml" ds:itemID="{BDF77693-2147-4F59-99F4-6128532CCE3E}">
-  <ds:schemaRefs>
-    <ds:schemaRef ds:uri="ESRI.ArcGIS.Mapping.OfficeIntegration.PowerPointInfo"/>
-  </ds:schemaRefs>
-</ds:datastoreItem>
 </file>